--- a/Hopital Emergency Room PPT.pptx
+++ b/Hopital Emergency Room PPT.pptx
@@ -8930,7 +8930,35 @@
                 </a:highlight>
                 <a:latin typeface="Arial Rounded MT Bold" panose="020F0704030504030204" pitchFamily="34" charset="0"/>
               </a:rPr>
-              <a:t>Dashboard 4: Consolidated View </a:t>
+              <a:t>Dashboard 4: </a:t>
+            </a:r>
+            <a:r>
+              <a:rPr lang="en-US" sz="2000" b="1" dirty="0" err="1">
+                <a:solidFill>
+                  <a:schemeClr val="accent5">
+                    <a:lumMod val="50000"/>
+                  </a:schemeClr>
+                </a:solidFill>
+                <a:highlight>
+                  <a:srgbClr val="00FF00"/>
+                </a:highlight>
+                <a:latin typeface="Arial Rounded MT Bold" panose="020F0704030504030204" pitchFamily="34" charset="0"/>
+              </a:rPr>
+              <a:t>Keytakeaways</a:t>
+            </a:r>
+            <a:r>
+              <a:rPr lang="en-US" sz="2000" b="1" dirty="0">
+                <a:solidFill>
+                  <a:schemeClr val="accent5">
+                    <a:lumMod val="50000"/>
+                  </a:schemeClr>
+                </a:solidFill>
+                <a:highlight>
+                  <a:srgbClr val="00FF00"/>
+                </a:highlight>
+                <a:latin typeface="Arial Rounded MT Bold" panose="020F0704030504030204" pitchFamily="34" charset="0"/>
+              </a:rPr>
+              <a:t> </a:t>
             </a:r>
           </a:p>
           <a:p>
